--- a/Poster130.pptx
+++ b/Poster130.pptx
@@ -106,7 +106,7 @@
   </p:defaultTextStyle>
   <p:extLst>
     <p:ext uri="{EFAFB233-063F-42B5-8137-9DF3F51BA10A}">
-      <p15:sldGuideLst xmlns="" xmlns:p15="http://schemas.microsoft.com/office/powerpoint/2012/main">
+      <p15:sldGuideLst xmlns:p15="http://schemas.microsoft.com/office/powerpoint/2012/main" xmlns="">
         <p15:guide id="1" orient="horz" pos="2880">
           <p15:clr>
             <a:srgbClr val="A4A3A4"/>
@@ -302,7 +302,7 @@
           <a:p>
             <a:fld id="{0DB78566-519D-7F4F-84E6-BFFE7CDF8207}" type="datetimeFigureOut">
               <a:rPr kumimoji="1" lang="ja-JP" altLang="en-US" smtClean="0"/>
-              <a:t>18/03/30</a:t>
+              <a:t>18/04/02</a:t>
             </a:fld>
             <a:endParaRPr kumimoji="1" lang="ja-JP" altLang="en-US"/>
           </a:p>
@@ -502,7 +502,7 @@
           <a:p>
             <a:fld id="{0DB78566-519D-7F4F-84E6-BFFE7CDF8207}" type="datetimeFigureOut">
               <a:rPr kumimoji="1" lang="ja-JP" altLang="en-US" smtClean="0"/>
-              <a:t>18/03/30</a:t>
+              <a:t>18/04/02</a:t>
             </a:fld>
             <a:endParaRPr kumimoji="1" lang="ja-JP" altLang="en-US"/>
           </a:p>
@@ -712,7 +712,7 @@
           <a:p>
             <a:fld id="{0DB78566-519D-7F4F-84E6-BFFE7CDF8207}" type="datetimeFigureOut">
               <a:rPr kumimoji="1" lang="ja-JP" altLang="en-US" smtClean="0"/>
-              <a:t>18/03/30</a:t>
+              <a:t>18/04/02</a:t>
             </a:fld>
             <a:endParaRPr kumimoji="1" lang="ja-JP" altLang="en-US"/>
           </a:p>
@@ -912,7 +912,7 @@
           <a:p>
             <a:fld id="{0DB78566-519D-7F4F-84E6-BFFE7CDF8207}" type="datetimeFigureOut">
               <a:rPr kumimoji="1" lang="ja-JP" altLang="en-US" smtClean="0"/>
-              <a:t>18/03/30</a:t>
+              <a:t>18/04/02</a:t>
             </a:fld>
             <a:endParaRPr kumimoji="1" lang="ja-JP" altLang="en-US"/>
           </a:p>
@@ -1157,7 +1157,7 @@
           <a:p>
             <a:fld id="{0DB78566-519D-7F4F-84E6-BFFE7CDF8207}" type="datetimeFigureOut">
               <a:rPr kumimoji="1" lang="ja-JP" altLang="en-US" smtClean="0"/>
-              <a:t>18/03/30</a:t>
+              <a:t>18/04/02</a:t>
             </a:fld>
             <a:endParaRPr kumimoji="1" lang="ja-JP" altLang="en-US"/>
           </a:p>
@@ -1506,7 +1506,7 @@
           <a:p>
             <a:fld id="{0DB78566-519D-7F4F-84E6-BFFE7CDF8207}" type="datetimeFigureOut">
               <a:rPr kumimoji="1" lang="ja-JP" altLang="en-US" smtClean="0"/>
-              <a:t>18/03/30</a:t>
+              <a:t>18/04/02</a:t>
             </a:fld>
             <a:endParaRPr kumimoji="1" lang="ja-JP" altLang="en-US"/>
           </a:p>
@@ -1989,7 +1989,7 @@
           <a:p>
             <a:fld id="{0DB78566-519D-7F4F-84E6-BFFE7CDF8207}" type="datetimeFigureOut">
               <a:rPr kumimoji="1" lang="ja-JP" altLang="en-US" smtClean="0"/>
-              <a:t>18/03/30</a:t>
+              <a:t>18/04/02</a:t>
             </a:fld>
             <a:endParaRPr kumimoji="1" lang="ja-JP" altLang="en-US"/>
           </a:p>
@@ -2106,7 +2106,7 @@
           <a:p>
             <a:fld id="{0DB78566-519D-7F4F-84E6-BFFE7CDF8207}" type="datetimeFigureOut">
               <a:rPr kumimoji="1" lang="ja-JP" altLang="en-US" smtClean="0"/>
-              <a:t>18/03/30</a:t>
+              <a:t>18/04/02</a:t>
             </a:fld>
             <a:endParaRPr kumimoji="1" lang="ja-JP" altLang="en-US"/>
           </a:p>
@@ -2201,7 +2201,7 @@
           <a:p>
             <a:fld id="{0DB78566-519D-7F4F-84E6-BFFE7CDF8207}" type="datetimeFigureOut">
               <a:rPr kumimoji="1" lang="ja-JP" altLang="en-US" smtClean="0"/>
-              <a:t>18/03/30</a:t>
+              <a:t>18/04/02</a:t>
             </a:fld>
             <a:endParaRPr kumimoji="1" lang="ja-JP" altLang="en-US"/>
           </a:p>
@@ -2508,7 +2508,7 @@
           <a:p>
             <a:fld id="{0DB78566-519D-7F4F-84E6-BFFE7CDF8207}" type="datetimeFigureOut">
               <a:rPr kumimoji="1" lang="ja-JP" altLang="en-US" smtClean="0"/>
-              <a:t>18/03/30</a:t>
+              <a:t>18/04/02</a:t>
             </a:fld>
             <a:endParaRPr kumimoji="1" lang="ja-JP" altLang="en-US"/>
           </a:p>
@@ -2760,7 +2760,7 @@
           <a:p>
             <a:fld id="{0DB78566-519D-7F4F-84E6-BFFE7CDF8207}" type="datetimeFigureOut">
               <a:rPr kumimoji="1" lang="ja-JP" altLang="en-US" smtClean="0"/>
-              <a:t>18/03/30</a:t>
+              <a:t>18/04/02</a:t>
             </a:fld>
             <a:endParaRPr kumimoji="1" lang="ja-JP" altLang="en-US"/>
           </a:p>
@@ -3003,7 +3003,7 @@
           <a:p>
             <a:fld id="{0DB78566-519D-7F4F-84E6-BFFE7CDF8207}" type="datetimeFigureOut">
               <a:rPr kumimoji="1" lang="ja-JP" altLang="en-US" smtClean="0"/>
-              <a:t>18/03/30</a:t>
+              <a:t>18/04/02</a:t>
             </a:fld>
             <a:endParaRPr kumimoji="1" lang="ja-JP" altLang="en-US"/>
           </a:p>
@@ -3378,6 +3378,66 @@
           <a:chExt cx="0" cy="0"/>
         </a:xfrm>
       </p:grpSpPr>
+      <p:pic>
+        <p:nvPicPr>
+          <p:cNvPr id="10" name="図 9" descr="screenshot_175.png"/>
+          <p:cNvPicPr>
+            <a:picLocks noChangeAspect="1"/>
+          </p:cNvPicPr>
+          <p:nvPr/>
+        </p:nvPicPr>
+        <p:blipFill>
+          <a:blip r:embed="rId2">
+            <a:extLst>
+              <a:ext uri="{28A0092B-C50C-407E-A947-70E740481C1C}">
+                <a14:useLocalDpi xmlns:a14="http://schemas.microsoft.com/office/drawing/2010/main" val="0"/>
+              </a:ext>
+            </a:extLst>
+          </a:blip>
+          <a:stretch>
+            <a:fillRect/>
+          </a:stretch>
+        </p:blipFill>
+        <p:spPr>
+          <a:xfrm>
+            <a:off x="2654116" y="3622700"/>
+            <a:ext cx="493600" cy="426098"/>
+          </a:xfrm>
+          <a:prstGeom prst="rect">
+            <a:avLst/>
+          </a:prstGeom>
+        </p:spPr>
+      </p:pic>
+      <p:pic>
+        <p:nvPicPr>
+          <p:cNvPr id="6" name="図 5" descr="screenshot_174.png"/>
+          <p:cNvPicPr>
+            <a:picLocks noChangeAspect="1"/>
+          </p:cNvPicPr>
+          <p:nvPr/>
+        </p:nvPicPr>
+        <p:blipFill>
+          <a:blip r:embed="rId3">
+            <a:extLst>
+              <a:ext uri="{28A0092B-C50C-407E-A947-70E740481C1C}">
+                <a14:useLocalDpi xmlns:a14="http://schemas.microsoft.com/office/drawing/2010/main" val="0"/>
+              </a:ext>
+            </a:extLst>
+          </a:blip>
+          <a:stretch>
+            <a:fillRect/>
+          </a:stretch>
+        </p:blipFill>
+        <p:spPr>
+          <a:xfrm>
+            <a:off x="228381" y="2152272"/>
+            <a:ext cx="1559623" cy="1070256"/>
+          </a:xfrm>
+          <a:prstGeom prst="rect">
+            <a:avLst/>
+          </a:prstGeom>
+        </p:spPr>
+      </p:pic>
       <p:sp>
         <p:nvSpPr>
           <p:cNvPr id="24" name="フリーフォーム 23"/>
@@ -3554,7 +3614,7 @@
           <p:cNvPr id="185" name="片側の 2 つの角を丸めた四角形 184">
             <a:extLst>
               <a:ext uri="{FF2B5EF4-FFF2-40B4-BE49-F238E27FC236}">
-                <a16:creationId xmlns="" xmlns:a16="http://schemas.microsoft.com/office/drawing/2014/main" id="{0DD51858-BFEE-024D-A64D-645315B03191}"/>
+                <a16:creationId xmlns:a16="http://schemas.microsoft.com/office/drawing/2014/main" xmlns="" id="{0DD51858-BFEE-024D-A64D-645315B03191}"/>
               </a:ext>
             </a:extLst>
           </p:cNvPr>
@@ -3612,11 +3672,11 @@
           <p:nvPr/>
         </p:nvPicPr>
         <p:blipFill rotWithShape="1">
-          <a:blip r:embed="rId2">
+          <a:blip r:embed="rId4">
             <a:extLst>
               <a:ext uri="{BEBA8EAE-BF5A-486C-A8C5-ECC9F3942E4B}">
                 <a14:imgProps xmlns:a14="http://schemas.microsoft.com/office/drawing/2010/main">
-                  <a14:imgLayer r:embed="rId3">
+                  <a14:imgLayer r:embed="rId5">
                     <a14:imgEffect>
                       <a14:sharpenSoften amount="25000"/>
                     </a14:imgEffect>
@@ -3648,7 +3708,7 @@
           <p:nvPr/>
         </p:nvPicPr>
         <p:blipFill>
-          <a:blip r:embed="rId4">
+          <a:blip r:embed="rId6">
             <a:extLst>
               <a:ext uri="{28A0092B-C50C-407E-A947-70E740481C1C}">
                 <a14:useLocalDpi xmlns:a14="http://schemas.microsoft.com/office/drawing/2010/main" val="0"/>
@@ -3662,7 +3722,7 @@
         </p:blipFill>
         <p:spPr bwMode="auto">
           <a:xfrm>
-            <a:off x="3720526" y="3656902"/>
+            <a:off x="3720526" y="3681255"/>
             <a:ext cx="2792730" cy="556895"/>
           </a:xfrm>
           <a:prstGeom prst="rect">
@@ -3674,146 +3734,12 @@
           </a:ln>
         </p:spPr>
       </p:pic>
-      <p:grpSp>
-        <p:nvGrpSpPr>
-          <p:cNvPr id="249" name="図形グループ 248"/>
-          <p:cNvGrpSpPr/>
-          <p:nvPr/>
-        </p:nvGrpSpPr>
-        <p:grpSpPr>
-          <a:xfrm>
-            <a:off x="2688773" y="4083751"/>
-            <a:ext cx="616259" cy="494419"/>
-            <a:chOff x="2321831" y="3983713"/>
-            <a:chExt cx="655131" cy="574421"/>
-          </a:xfrm>
-        </p:grpSpPr>
-        <p:pic>
-          <p:nvPicPr>
-            <p:cNvPr id="247" name="図 246" descr="スクリーンショット 2018-03-27 09.46.36.png"/>
-            <p:cNvPicPr>
-              <a:picLocks noChangeAspect="1"/>
-            </p:cNvPicPr>
-            <p:nvPr/>
-          </p:nvPicPr>
-          <p:blipFill rotWithShape="1">
-            <a:blip r:embed="rId5">
-              <a:extLst>
-                <a:ext uri="{28A0092B-C50C-407E-A947-70E740481C1C}">
-                  <a14:useLocalDpi xmlns:a14="http://schemas.microsoft.com/office/drawing/2010/main" val="0"/>
-                </a:ext>
-              </a:extLst>
-            </a:blip>
-            <a:srcRect l="24800" t="29242" r="39834" b="33292"/>
-            <a:stretch/>
-          </p:blipFill>
-          <p:spPr>
-            <a:xfrm>
-              <a:off x="2401210" y="3983713"/>
-              <a:ext cx="566865" cy="574421"/>
-            </a:xfrm>
-            <a:prstGeom prst="rect">
-              <a:avLst/>
-            </a:prstGeom>
-          </p:spPr>
-        </p:pic>
-        <p:sp>
-          <p:nvSpPr>
-            <p:cNvPr id="248" name="正方形/長方形 247"/>
-            <p:cNvSpPr/>
-            <p:nvPr/>
-          </p:nvSpPr>
-          <p:spPr>
-            <a:xfrm>
-              <a:off x="2321831" y="4432413"/>
-              <a:ext cx="238136" cy="45719"/>
-            </a:xfrm>
-            <a:prstGeom prst="rect">
-              <a:avLst/>
-            </a:prstGeom>
-            <a:solidFill>
-              <a:schemeClr val="bg1"/>
-            </a:solidFill>
-            <a:ln>
-              <a:noFill/>
-            </a:ln>
-            <a:effectLst/>
-          </p:spPr>
-          <p:style>
-            <a:lnRef idx="1">
-              <a:schemeClr val="accent1"/>
-            </a:lnRef>
-            <a:fillRef idx="3">
-              <a:schemeClr val="accent1"/>
-            </a:fillRef>
-            <a:effectRef idx="2">
-              <a:schemeClr val="accent1"/>
-            </a:effectRef>
-            <a:fontRef idx="minor">
-              <a:schemeClr val="lt1"/>
-            </a:fontRef>
-          </p:style>
-          <p:txBody>
-            <a:bodyPr rtlCol="0" anchor="ctr"/>
-            <a:lstStyle/>
-            <a:p>
-              <a:pPr algn="ctr"/>
-              <a:endParaRPr kumimoji="1" lang="ja-JP" altLang="en-US"/>
-            </a:p>
-          </p:txBody>
-        </p:sp>
-        <p:sp>
-          <p:nvSpPr>
-            <p:cNvPr id="143" name="正方形/長方形 142"/>
-            <p:cNvSpPr/>
-            <p:nvPr/>
-          </p:nvSpPr>
-          <p:spPr>
-            <a:xfrm>
-              <a:off x="2738826" y="4422746"/>
-              <a:ext cx="238136" cy="45719"/>
-            </a:xfrm>
-            <a:prstGeom prst="rect">
-              <a:avLst/>
-            </a:prstGeom>
-            <a:solidFill>
-              <a:schemeClr val="bg1"/>
-            </a:solidFill>
-            <a:ln>
-              <a:noFill/>
-            </a:ln>
-            <a:effectLst/>
-          </p:spPr>
-          <p:style>
-            <a:lnRef idx="1">
-              <a:schemeClr val="accent1"/>
-            </a:lnRef>
-            <a:fillRef idx="3">
-              <a:schemeClr val="accent1"/>
-            </a:fillRef>
-            <a:effectRef idx="2">
-              <a:schemeClr val="accent1"/>
-            </a:effectRef>
-            <a:fontRef idx="minor">
-              <a:schemeClr val="lt1"/>
-            </a:fontRef>
-          </p:style>
-          <p:txBody>
-            <a:bodyPr rtlCol="0" anchor="ctr"/>
-            <a:lstStyle/>
-            <a:p>
-              <a:pPr algn="ctr"/>
-              <a:endParaRPr kumimoji="1" lang="ja-JP" altLang="en-US"/>
-            </a:p>
-          </p:txBody>
-        </p:sp>
-      </p:grpSp>
       <p:sp>
         <p:nvSpPr>
           <p:cNvPr id="835" name="角丸四角形 834">
             <a:extLst>
               <a:ext uri="{FF2B5EF4-FFF2-40B4-BE49-F238E27FC236}">
-                <a16:creationId xmlns="" xmlns:a16="http://schemas.microsoft.com/office/drawing/2014/main" id="{17253A06-5A6A-6F4E-B20D-24AD4C17F0A8}"/>
+                <a16:creationId xmlns:a16="http://schemas.microsoft.com/office/drawing/2014/main" xmlns="" id="{17253A06-5A6A-6F4E-B20D-24AD4C17F0A8}"/>
               </a:ext>
             </a:extLst>
           </p:cNvPr>
@@ -3866,7 +3792,7 @@
           <p:cNvPr id="837" name="片側の 2 つの角を丸めた四角形 836">
             <a:extLst>
               <a:ext uri="{FF2B5EF4-FFF2-40B4-BE49-F238E27FC236}">
-                <a16:creationId xmlns="" xmlns:a16="http://schemas.microsoft.com/office/drawing/2014/main" id="{0DD51858-BFEE-024D-A64D-645315B03191}"/>
+                <a16:creationId xmlns:a16="http://schemas.microsoft.com/office/drawing/2014/main" xmlns="" id="{0DD51858-BFEE-024D-A64D-645315B03191}"/>
               </a:ext>
             </a:extLst>
           </p:cNvPr>
@@ -3920,7 +3846,7 @@
           <p:cNvPr id="52" name="テキスト ボックス 51">
             <a:extLst>
               <a:ext uri="{FF2B5EF4-FFF2-40B4-BE49-F238E27FC236}">
-                <a16:creationId xmlns="" xmlns:a16="http://schemas.microsoft.com/office/drawing/2014/main" id="{D8F90268-5091-5945-A2B1-1767DF0B3189}"/>
+                <a16:creationId xmlns:a16="http://schemas.microsoft.com/office/drawing/2014/main" xmlns="" id="{D8F90268-5091-5945-A2B1-1767DF0B3189}"/>
               </a:ext>
             </a:extLst>
           </p:cNvPr>
@@ -3968,7 +3894,7 @@
           <p:cNvPr id="838" name="片側の 2 つの角を丸めた四角形 837">
             <a:extLst>
               <a:ext uri="{FF2B5EF4-FFF2-40B4-BE49-F238E27FC236}">
-                <a16:creationId xmlns="" xmlns:a16="http://schemas.microsoft.com/office/drawing/2014/main" id="{96A89A37-299E-CC48-A983-5E7AD6D3D56C}"/>
+                <a16:creationId xmlns:a16="http://schemas.microsoft.com/office/drawing/2014/main" xmlns="" id="{96A89A37-299E-CC48-A983-5E7AD6D3D56C}"/>
               </a:ext>
             </a:extLst>
           </p:cNvPr>
@@ -4022,7 +3948,7 @@
           <p:cNvPr id="13" name="テキスト ボックス 12">
             <a:extLst>
               <a:ext uri="{FF2B5EF4-FFF2-40B4-BE49-F238E27FC236}">
-                <a16:creationId xmlns="" xmlns:a16="http://schemas.microsoft.com/office/drawing/2014/main" id="{2C604105-E97E-1F4E-A67E-E52D219145D8}"/>
+                <a16:creationId xmlns:a16="http://schemas.microsoft.com/office/drawing/2014/main" xmlns="" id="{2C604105-E97E-1F4E-A67E-E52D219145D8}"/>
               </a:ext>
             </a:extLst>
           </p:cNvPr>
@@ -4083,7 +4009,7 @@
           <p:cNvPr id="810" name="テキスト ボックス 809">
             <a:extLst>
               <a:ext uri="{FF2B5EF4-FFF2-40B4-BE49-F238E27FC236}">
-                <a16:creationId xmlns="" xmlns:a16="http://schemas.microsoft.com/office/drawing/2014/main" id="{7C350321-6D3D-2C42-B1D2-F30EC1F72327}"/>
+                <a16:creationId xmlns:a16="http://schemas.microsoft.com/office/drawing/2014/main" xmlns="" id="{7C350321-6D3D-2C42-B1D2-F30EC1F72327}"/>
               </a:ext>
             </a:extLst>
           </p:cNvPr>
@@ -4131,7 +4057,7 @@
           <p:cNvPr id="840" name="片側の 2 つの角を丸めた四角形 839">
             <a:extLst>
               <a:ext uri="{FF2B5EF4-FFF2-40B4-BE49-F238E27FC236}">
-                <a16:creationId xmlns="" xmlns:a16="http://schemas.microsoft.com/office/drawing/2014/main" id="{3026B705-0369-2549-80FA-6C2A196F954A}"/>
+                <a16:creationId xmlns:a16="http://schemas.microsoft.com/office/drawing/2014/main" xmlns="" id="{3026B705-0369-2549-80FA-6C2A196F954A}"/>
               </a:ext>
             </a:extLst>
           </p:cNvPr>
@@ -4185,7 +4111,7 @@
           <p:cNvPr id="816" name="テキスト ボックス 815">
             <a:extLst>
               <a:ext uri="{FF2B5EF4-FFF2-40B4-BE49-F238E27FC236}">
-                <a16:creationId xmlns="" xmlns:a16="http://schemas.microsoft.com/office/drawing/2014/main" id="{CD631737-16B6-BA40-8682-00944BF5C15B}"/>
+                <a16:creationId xmlns:a16="http://schemas.microsoft.com/office/drawing/2014/main" xmlns="" id="{CD631737-16B6-BA40-8682-00944BF5C15B}"/>
               </a:ext>
             </a:extLst>
           </p:cNvPr>
@@ -4195,7 +4121,7 @@
         <p:spPr>
           <a:xfrm>
             <a:off x="3490975" y="7739776"/>
-            <a:ext cx="1478815" cy="369332"/>
+            <a:ext cx="1508346" cy="369332"/>
           </a:xfrm>
           <a:prstGeom prst="rect">
             <a:avLst/>
@@ -4209,14 +4135,14 @@
           <a:lstStyle/>
           <a:p>
             <a:r>
-              <a:rPr lang="en-US" altLang="en-US" b="1" dirty="0">
+              <a:rPr kumimoji="1" lang="en-US" altLang="ja-JP" b="1" dirty="0">
                 <a:solidFill>
                   <a:schemeClr val="bg1"/>
                 </a:solidFill>
                 <a:latin typeface="Meiryo" panose="020B0604030504040204" pitchFamily="34" charset="-128"/>
                 <a:ea typeface="Meiryo" panose="020B0604030504040204" pitchFamily="34" charset="-128"/>
               </a:rPr>
-              <a:t>Discussion</a:t>
+              <a:t>Conclusion</a:t>
             </a:r>
             <a:endParaRPr kumimoji="1" lang="ja-JP" altLang="en-US" b="1" dirty="0">
               <a:solidFill>
@@ -4233,7 +4159,7 @@
           <p:cNvPr id="843" name="テキスト ボックス 842">
             <a:extLst>
               <a:ext uri="{FF2B5EF4-FFF2-40B4-BE49-F238E27FC236}">
-                <a16:creationId xmlns="" xmlns:a16="http://schemas.microsoft.com/office/drawing/2014/main" id="{1C6D64F2-226E-0342-AF9B-FE1AD4BD22E8}"/>
+                <a16:creationId xmlns:a16="http://schemas.microsoft.com/office/drawing/2014/main" xmlns="" id="{1C6D64F2-226E-0342-AF9B-FE1AD4BD22E8}"/>
               </a:ext>
             </a:extLst>
           </p:cNvPr>
@@ -4351,7 +4277,7 @@
           <p:cNvPr id="861" name="角丸四角形 860">
             <a:extLst>
               <a:ext uri="{FF2B5EF4-FFF2-40B4-BE49-F238E27FC236}">
-                <a16:creationId xmlns="" xmlns:a16="http://schemas.microsoft.com/office/drawing/2014/main" id="{495C93AC-E499-A849-8095-00CCA8AC7FDE}"/>
+                <a16:creationId xmlns:a16="http://schemas.microsoft.com/office/drawing/2014/main" xmlns="" id="{495C93AC-E499-A849-8095-00CCA8AC7FDE}"/>
               </a:ext>
             </a:extLst>
           </p:cNvPr>
@@ -4404,7 +4330,7 @@
           <p:cNvPr id="11" name="テキスト ボックス 10">
             <a:extLst>
               <a:ext uri="{FF2B5EF4-FFF2-40B4-BE49-F238E27FC236}">
-                <a16:creationId xmlns="" xmlns:a16="http://schemas.microsoft.com/office/drawing/2014/main" id="{FAE1D14B-A53D-1940-809E-F0851FDE70D8}"/>
+                <a16:creationId xmlns:a16="http://schemas.microsoft.com/office/drawing/2014/main" xmlns="" id="{FAE1D14B-A53D-1940-809E-F0851FDE70D8}"/>
               </a:ext>
             </a:extLst>
           </p:cNvPr>
@@ -4444,7 +4370,29 @@
                 <a:ea typeface="Meiryo"/>
                 <a:cs typeface="Meiryo"/>
               </a:rPr>
-              <a:t>IEEE Pacific Visualization Symposium (PacificVis 2018)  Kobe,Japan  April 10 to 13, 2018</a:t>
+              <a:t>IEEE Pacific Visualization Symposium (PacificVis 2018)  Kobe,</a:t>
+            </a:r>
+            <a:r>
+              <a:rPr lang="en-US" altLang="ja-JP" sz="800">
+                <a:solidFill>
+                  <a:schemeClr val="bg1"/>
+                </a:solidFill>
+                <a:latin typeface="Meiryo"/>
+                <a:ea typeface="Meiryo"/>
+                <a:cs typeface="Meiryo"/>
+              </a:rPr>
+              <a:t> </a:t>
+            </a:r>
+            <a:r>
+              <a:rPr lang="en-US" altLang="ja-JP" sz="800">
+                <a:solidFill>
+                  <a:schemeClr val="bg1"/>
+                </a:solidFill>
+                <a:latin typeface="Meiryo"/>
+                <a:ea typeface="Meiryo"/>
+                <a:cs typeface="Meiryo"/>
+              </a:rPr>
+              <a:t>Japan  April 10 to 13, 2018</a:t>
             </a:r>
             <a:endParaRPr kumimoji="1" lang="ja-JP" altLang="en-US" sz="800" b="1" dirty="0">
               <a:solidFill>
@@ -4462,7 +4410,7 @@
           <p:cNvPr id="821" name="片側の 2 つの角を丸めた四角形 820">
             <a:extLst>
               <a:ext uri="{FF2B5EF4-FFF2-40B4-BE49-F238E27FC236}">
-                <a16:creationId xmlns="" xmlns:a16="http://schemas.microsoft.com/office/drawing/2014/main" id="{FA9A249B-3423-724F-B53E-AEE719B41F3C}"/>
+                <a16:creationId xmlns:a16="http://schemas.microsoft.com/office/drawing/2014/main" xmlns="" id="{FA9A249B-3423-724F-B53E-AEE719B41F3C}"/>
               </a:ext>
             </a:extLst>
           </p:cNvPr>
@@ -4516,7 +4464,7 @@
           <p:cNvPr id="819" name="角丸四角形 818">
             <a:extLst>
               <a:ext uri="{FF2B5EF4-FFF2-40B4-BE49-F238E27FC236}">
-                <a16:creationId xmlns="" xmlns:a16="http://schemas.microsoft.com/office/drawing/2014/main" id="{61D30CB8-71B2-9440-B817-F5BA723991EB}"/>
+                <a16:creationId xmlns:a16="http://schemas.microsoft.com/office/drawing/2014/main" xmlns="" id="{61D30CB8-71B2-9440-B817-F5BA723991EB}"/>
               </a:ext>
             </a:extLst>
           </p:cNvPr>
@@ -4569,7 +4517,7 @@
           <p:cNvPr id="820" name="片側の 2 つの角を丸めた四角形 819">
             <a:extLst>
               <a:ext uri="{FF2B5EF4-FFF2-40B4-BE49-F238E27FC236}">
-                <a16:creationId xmlns="" xmlns:a16="http://schemas.microsoft.com/office/drawing/2014/main" id="{7BBA3C2F-39AF-EB49-8398-F635C66E7FBB}"/>
+                <a16:creationId xmlns:a16="http://schemas.microsoft.com/office/drawing/2014/main" xmlns="" id="{7BBA3C2F-39AF-EB49-8398-F635C66E7FBB}"/>
               </a:ext>
             </a:extLst>
           </p:cNvPr>
@@ -4623,7 +4571,7 @@
           <p:cNvPr id="818" name="角丸四角形 817">
             <a:extLst>
               <a:ext uri="{FF2B5EF4-FFF2-40B4-BE49-F238E27FC236}">
-                <a16:creationId xmlns="" xmlns:a16="http://schemas.microsoft.com/office/drawing/2014/main" id="{2478588B-9A28-5C41-BBC9-4B95003DAC43}"/>
+                <a16:creationId xmlns:a16="http://schemas.microsoft.com/office/drawing/2014/main" xmlns="" id="{2478588B-9A28-5C41-BBC9-4B95003DAC43}"/>
               </a:ext>
             </a:extLst>
           </p:cNvPr>
@@ -4676,7 +4624,7 @@
           <p:cNvPr id="836" name="角丸四角形 835">
             <a:extLst>
               <a:ext uri="{FF2B5EF4-FFF2-40B4-BE49-F238E27FC236}">
-                <a16:creationId xmlns="" xmlns:a16="http://schemas.microsoft.com/office/drawing/2014/main" id="{4069B7CC-47C2-554E-B21B-693E93670E6F}"/>
+                <a16:creationId xmlns:a16="http://schemas.microsoft.com/office/drawing/2014/main" xmlns="" id="{4069B7CC-47C2-554E-B21B-693E93670E6F}"/>
               </a:ext>
             </a:extLst>
           </p:cNvPr>
@@ -4729,7 +4677,7 @@
           <p:cNvPr id="189" name="角丸四角形 188">
             <a:extLst>
               <a:ext uri="{FF2B5EF4-FFF2-40B4-BE49-F238E27FC236}">
-                <a16:creationId xmlns="" xmlns:a16="http://schemas.microsoft.com/office/drawing/2014/main" id="{D4A982FE-1910-AF49-A0F9-ABFF13276244}"/>
+                <a16:creationId xmlns:a16="http://schemas.microsoft.com/office/drawing/2014/main" xmlns="" id="{D4A982FE-1910-AF49-A0F9-ABFF13276244}"/>
               </a:ext>
             </a:extLst>
           </p:cNvPr>
@@ -4828,23 +4776,30 @@
                 <a:latin typeface="Helvetica"/>
                 <a:cs typeface="Helvetica"/>
               </a:rPr>
-              <a:t>Improving represetation of phenotypic characteristics</a:t>
-            </a:r>
-          </a:p>
-          <a:p>
+              <a:t>Improving represe</a:t>
+            </a:r>
             <a:r>
               <a:rPr lang="en-GB" altLang="ja-JP" sz="900">
                 <a:latin typeface="Helvetica"/>
                 <a:cs typeface="Helvetica"/>
               </a:rPr>
-              <a:t>   </a:t>
+              <a:t>n</a:t>
             </a:r>
             <a:r>
               <a:rPr lang="en-GB" altLang="ja-JP" sz="900">
                 <a:latin typeface="Helvetica"/>
                 <a:cs typeface="Helvetica"/>
               </a:rPr>
-              <a:t>(position and distance).</a:t>
+              <a:t>tation of phenotypic characteristics</a:t>
+            </a:r>
+          </a:p>
+          <a:p>
+            <a:r>
+              <a:rPr lang="en-GB" altLang="ja-JP" sz="900">
+                <a:latin typeface="Helvetica"/>
+                <a:cs typeface="Helvetica"/>
+              </a:rPr>
+              <a:t>   (position and distance).</a:t>
             </a:r>
             <a:endParaRPr kumimoji="1" lang="ja-JP" altLang="en-US" sz="900">
               <a:latin typeface="Helvetica"/>
@@ -4891,7 +4846,7 @@
         </p:nvSpPr>
         <p:spPr>
           <a:xfrm>
-            <a:off x="1765775" y="2208730"/>
+            <a:off x="1737344" y="2218208"/>
             <a:ext cx="1595309" cy="846386"/>
           </a:xfrm>
           <a:prstGeom prst="rect">
@@ -5020,7 +4975,7 @@
         <p:spPr>
           <a:xfrm>
             <a:off x="83466" y="1921440"/>
-            <a:ext cx="2416046" cy="230832"/>
+            <a:ext cx="3147015" cy="230832"/>
           </a:xfrm>
           <a:prstGeom prst="rect">
             <a:avLst/>
@@ -5042,7 +4997,21 @@
                 <a:latin typeface="Helvetica"/>
                 <a:cs typeface="Helvetica"/>
               </a:rPr>
-              <a:t>Developmental mechanism of C.elegans.</a:t>
+              <a:t>Elucidation of </a:t>
+            </a:r>
+            <a:r>
+              <a:rPr lang="en-GB" altLang="ja-JP" sz="900">
+                <a:latin typeface="Helvetica"/>
+                <a:cs typeface="Helvetica"/>
+              </a:rPr>
+              <a:t>d</a:t>
+            </a:r>
+            <a:r>
+              <a:rPr lang="en-GB" altLang="ja-JP" sz="900">
+                <a:latin typeface="Helvetica"/>
+                <a:cs typeface="Helvetica"/>
+              </a:rPr>
+              <a:t>evelopmental mechanism of C.elegans.</a:t>
             </a:r>
           </a:p>
         </p:txBody>
@@ -5055,8 +5024,8 @@
         </p:nvSpPr>
         <p:spPr>
           <a:xfrm>
-            <a:off x="73885" y="3577381"/>
-            <a:ext cx="3369314" cy="900246"/>
+            <a:off x="91016" y="3681927"/>
+            <a:ext cx="3324246" cy="900246"/>
           </a:xfrm>
           <a:prstGeom prst="rect">
             <a:avLst/>
@@ -5159,86 +5128,12 @@
                 <a:latin typeface="Helvetica"/>
                 <a:cs typeface="Helvetica"/>
               </a:rPr>
-              <a:t>recognize</a:t>
-            </a:r>
-            <a:r>
-              <a:rPr lang="en-GB" altLang="ja-JP" sz="900">
-                <a:latin typeface="Helvetica"/>
-                <a:cs typeface="Helvetica"/>
-              </a:rPr>
-              <a:t> </a:t>
-            </a:r>
-            <a:r>
-              <a:rPr lang="en-GB" altLang="ja-JP" sz="900">
-                <a:latin typeface="Helvetica"/>
-                <a:cs typeface="Helvetica"/>
-              </a:rPr>
-              <a:t>cell nuclear </a:t>
-            </a:r>
-            <a:r>
-              <a:rPr lang="en-GB" altLang="ja-JP" sz="900">
-                <a:solidFill>
-                  <a:srgbClr val="FC263B"/>
-                </a:solidFill>
-                <a:latin typeface="Helvetica"/>
-                <a:cs typeface="Helvetica"/>
-              </a:rPr>
-              <a:t>position </a:t>
-            </a:r>
-            <a:r>
-              <a:rPr lang="en-GB" altLang="ja-JP" sz="900">
-                <a:solidFill>
-                  <a:srgbClr val="FC263B"/>
-                </a:solidFill>
-                <a:latin typeface="Helvetica"/>
-                <a:cs typeface="Helvetica"/>
-              </a:rPr>
-              <a:t>                       </a:t>
-            </a:r>
-            <a:r>
-              <a:rPr lang="en-GB" altLang="ja-JP" sz="900">
-                <a:solidFill>
-                  <a:srgbClr val="FC263B"/>
-                </a:solidFill>
-                <a:latin typeface="Helvetica"/>
-                <a:cs typeface="Helvetica"/>
-              </a:rPr>
-              <a:t>and</a:t>
-            </a:r>
-            <a:r>
-              <a:rPr lang="en-GB" altLang="ja-JP" sz="900">
-                <a:solidFill>
-                  <a:srgbClr val="FC263B"/>
-                </a:solidFill>
-                <a:latin typeface="Helvetica"/>
-                <a:cs typeface="Helvetica"/>
-              </a:rPr>
-              <a:t> distance</a:t>
-            </a:r>
-            <a:r>
-              <a:rPr lang="en-GB" altLang="ja-JP" sz="900">
-                <a:solidFill>
-                  <a:srgbClr val="FC263B"/>
-                </a:solidFill>
-                <a:latin typeface="Helvetica"/>
-                <a:cs typeface="Helvetica"/>
-              </a:rPr>
-              <a:t> </a:t>
-            </a:r>
-            <a:r>
-              <a:rPr lang="en-GB" altLang="ja-JP" sz="900">
-                <a:latin typeface="Helvetica"/>
-                <a:cs typeface="Helvetica"/>
-              </a:rPr>
-              <a:t>only from a cell nucleus shape</a:t>
-            </a:r>
-            <a:r>
-              <a:rPr lang="en-US" altLang="ja-JP" sz="900">
-                <a:latin typeface="Helvetica"/>
-                <a:cs typeface="Helvetica"/>
-              </a:rPr>
-              <a:t>.</a:t>
-            </a:r>
+              <a:t>compare phenotypic characteristics           (ex. position and distance) only from cell nucleus shapes.</a:t>
+            </a:r>
+            <a:endParaRPr lang="en-US" altLang="ja-JP" sz="900">
+              <a:latin typeface="Helvetica"/>
+              <a:cs typeface="Helvetica"/>
+            </a:endParaRPr>
           </a:p>
         </p:txBody>
       </p:sp>
@@ -5289,11 +5184,11 @@
           <p:nvPr/>
         </p:nvPicPr>
         <p:blipFill rotWithShape="1">
-          <a:blip r:embed="rId6">
+          <a:blip r:embed="rId7">
             <a:extLst>
               <a:ext uri="{BEBA8EAE-BF5A-486C-A8C5-ECC9F3942E4B}">
                 <a14:imgProps xmlns:a14="http://schemas.microsoft.com/office/drawing/2010/main">
-                  <a14:imgLayer r:embed="rId7">
+                  <a14:imgLayer r:embed="rId8">
                     <a14:imgEffect>
                       <a14:saturation sat="200000"/>
                     </a14:imgEffect>
@@ -5353,14 +5248,7 @@
                 <a:latin typeface="Helvetica"/>
                 <a:cs typeface="Helvetica"/>
               </a:rPr>
-              <a:t>R</a:t>
-            </a:r>
-            <a:r>
-              <a:rPr lang="en-GB" altLang="ja-JP" sz="900" b="1">
-                <a:latin typeface="Helvetica"/>
-                <a:cs typeface="Helvetica"/>
-              </a:rPr>
-              <a:t>epresetation of phenotypic characteristics</a:t>
+              <a:t>Represetation of phenotypic characteristics</a:t>
             </a:r>
             <a:endParaRPr kumimoji="1" lang="ja-JP" altLang="en-US" sz="900" b="1">
               <a:latin typeface="Helvetica"/>
@@ -5418,7 +5306,7 @@
         <p:spPr>
           <a:xfrm>
             <a:off x="3558601" y="2647374"/>
-            <a:ext cx="2954655" cy="230832"/>
+            <a:ext cx="3185487" cy="230832"/>
           </a:xfrm>
           <a:prstGeom prst="rect">
             <a:avLst/>
@@ -5440,7 +5328,35 @@
                 <a:latin typeface="Helvetica"/>
                 <a:cs typeface="Helvetica"/>
               </a:rPr>
-              <a:t>Distance between nuclear center and emryo center </a:t>
+              <a:t>Distance between </a:t>
+            </a:r>
+            <a:r>
+              <a:rPr kumimoji="1" lang="en-US" altLang="ja-JP" sz="900">
+                <a:latin typeface="Helvetica"/>
+                <a:cs typeface="Helvetica"/>
+              </a:rPr>
+              <a:t>a </a:t>
+            </a:r>
+            <a:r>
+              <a:rPr kumimoji="1" lang="en-US" altLang="ja-JP" sz="900">
+                <a:latin typeface="Helvetica"/>
+                <a:cs typeface="Helvetica"/>
+              </a:rPr>
+              <a:t>nuclear center and </a:t>
+            </a:r>
+            <a:r>
+              <a:rPr kumimoji="1" lang="en-US" altLang="ja-JP" sz="900">
+                <a:latin typeface="Helvetica"/>
+                <a:cs typeface="Helvetica"/>
+              </a:rPr>
+              <a:t>an </a:t>
+            </a:r>
+            <a:r>
+              <a:rPr kumimoji="1" lang="en-US" altLang="ja-JP" sz="900">
+                <a:latin typeface="Helvetica"/>
+                <a:cs typeface="Helvetica"/>
+              </a:rPr>
+              <a:t>emryo center </a:t>
             </a:r>
             <a:endParaRPr kumimoji="1" lang="ja-JP" altLang="en-US" sz="900">
               <a:latin typeface="Helvetica"/>
@@ -5456,7 +5372,7 @@
           <p:nvPr/>
         </p:nvPicPr>
         <p:blipFill rotWithShape="1">
-          <a:blip r:embed="rId8">
+          <a:blip r:embed="rId9">
             <a:extLst>
               <a:ext uri="{28A0092B-C50C-407E-A947-70E740481C1C}">
                 <a14:useLocalDpi xmlns:a14="http://schemas.microsoft.com/office/drawing/2010/main" val="0"/>
@@ -5488,8 +5404,8 @@
         </p:nvSpPr>
         <p:spPr>
           <a:xfrm>
-            <a:off x="4820478" y="2921072"/>
-            <a:ext cx="1591500" cy="338554"/>
+            <a:off x="4677993" y="2933462"/>
+            <a:ext cx="1760428" cy="461665"/>
           </a:xfrm>
           <a:prstGeom prst="rect">
             <a:avLst/>
@@ -5501,6 +5417,23 @@
           </a:bodyPr>
           <a:lstStyle/>
           <a:p>
+            <a:pPr marL="194400" indent="-158400">
+              <a:buFont typeface="+mj-lt"/>
+              <a:buAutoNum type="arabicPeriod"/>
+            </a:pPr>
+            <a:r>
+              <a:rPr lang="en-US" altLang="ja-JP" sz="800">
+                <a:latin typeface="Helvetica"/>
+                <a:cs typeface="Helvetica"/>
+              </a:rPr>
+              <a:t>Draw AP, DV and LR axes.</a:t>
+            </a:r>
+          </a:p>
+          <a:p>
+            <a:pPr marL="194400" indent="-158400">
+              <a:buFont typeface="+mj-lt"/>
+              <a:buAutoNum type="arabicPeriod"/>
+            </a:pPr>
             <a:r>
               <a:rPr lang="en-GB" altLang="ja-JP" sz="800">
                 <a:latin typeface="Helvetica"/>
@@ -5522,7 +5455,7 @@
           <p:nvPr/>
         </p:nvPicPr>
         <p:blipFill>
-          <a:blip r:embed="rId9">
+          <a:blip r:embed="rId10">
             <a:extLst>
               <a:ext uri="{28A0092B-C50C-407E-A947-70E740481C1C}">
                 <a14:useLocalDpi xmlns:a14="http://schemas.microsoft.com/office/drawing/2010/main" val="0"/>
@@ -5660,39 +5593,6 @@
           </a:p>
         </p:txBody>
       </p:sp>
-      <p:pic>
-        <p:nvPicPr>
-          <p:cNvPr id="116" name="図 115" descr="Macintosh HD:Users:sayaka:Documents:Github:SIGGRAPH-Asia2017:Pictures:Fig1.png"/>
-          <p:cNvPicPr/>
-          <p:nvPr/>
-        </p:nvPicPr>
-        <p:blipFill rotWithShape="1">
-          <a:blip r:embed="rId10">
-            <a:extLst>
-              <a:ext uri="{28A0092B-C50C-407E-A947-70E740481C1C}">
-                <a14:useLocalDpi xmlns:a14="http://schemas.microsoft.com/office/drawing/2010/main" val="0"/>
-              </a:ext>
-            </a:extLst>
-          </a:blip>
-          <a:srcRect l="50278" b="9123"/>
-          <a:stretch/>
-        </p:blipFill>
-        <p:spPr bwMode="auto">
-          <a:xfrm>
-            <a:off x="225216" y="2222591"/>
-            <a:ext cx="1558979" cy="961913"/>
-          </a:xfrm>
-          <a:prstGeom prst="rect">
-            <a:avLst/>
-          </a:prstGeom>
-          <a:noFill/>
-          <a:ln>
-            <a:solidFill>
-              <a:srgbClr val="000000"/>
-            </a:solidFill>
-          </a:ln>
-        </p:spPr>
-      </p:pic>
       <p:sp>
         <p:nvSpPr>
           <p:cNvPr id="238" name="テキスト ボックス 237"/>
@@ -5701,7 +5601,7 @@
         </p:nvSpPr>
         <p:spPr>
           <a:xfrm>
-            <a:off x="824600" y="3254904"/>
+            <a:off x="1129198" y="3194538"/>
             <a:ext cx="2294619" cy="338554"/>
           </a:xfrm>
           <a:prstGeom prst="rect">
@@ -5720,94 +5620,58 @@
                 <a:latin typeface="Helvetica"/>
                 <a:cs typeface="Helvetica"/>
               </a:rPr>
-              <a:t>Time</a:t>
+              <a:t>Time range:</a:t>
             </a:r>
             <a:r>
               <a:rPr kumimoji="1" lang="en-US" altLang="ja-JP" sz="800">
                 <a:latin typeface="Helvetica"/>
                 <a:cs typeface="Helvetica"/>
               </a:rPr>
-              <a:t> range</a:t>
+              <a:t>68</a:t>
             </a:r>
             <a:r>
               <a:rPr kumimoji="1" lang="en-US" altLang="ja-JP" sz="800">
                 <a:latin typeface="Helvetica"/>
                 <a:cs typeface="Helvetica"/>
               </a:rPr>
-              <a:t>:91-103 </a:t>
-            </a:r>
-          </a:p>
-          <a:p>
-            <a:r>
-              <a:rPr lang="en-US" altLang="ja-JP" sz="800">
-                <a:latin typeface="Helvetica"/>
-                <a:cs typeface="Helvetica"/>
-              </a:rPr>
-              <a:t>         </a:t>
+              <a:t>-1</a:t>
             </a:r>
             <a:r>
               <a:rPr kumimoji="1" lang="en-US" altLang="ja-JP" sz="800">
                 <a:latin typeface="Helvetica"/>
                 <a:cs typeface="Helvetica"/>
               </a:rPr>
-              <a:t>→ cell nucleus shape</a:t>
-            </a:r>
-            <a:r>
-              <a:rPr kumimoji="1" lang="en-US" altLang="ja-JP" sz="800">
-                <a:latin typeface="Helvetica"/>
-                <a:cs typeface="Helvetica"/>
-              </a:rPr>
-              <a:t>s are overlapped.</a:t>
+              <a:t>15</a:t>
             </a:r>
             <a:endParaRPr kumimoji="1" lang="en-US" altLang="ja-JP" sz="800">
               <a:latin typeface="Helvetica"/>
               <a:cs typeface="Helvetica"/>
             </a:endParaRPr>
           </a:p>
-        </p:txBody>
-      </p:sp>
-      <p:cxnSp>
-        <p:nvCxnSpPr>
-          <p:cNvPr id="240" name="直線コネクタ 239"/>
-          <p:cNvCxnSpPr/>
-          <p:nvPr/>
-        </p:nvCxnSpPr>
-        <p:spPr>
-          <a:xfrm>
-            <a:off x="1018400" y="3041805"/>
-            <a:ext cx="60325" cy="235784"/>
-          </a:xfrm>
-          <a:prstGeom prst="line">
-            <a:avLst/>
-          </a:prstGeom>
-          <a:ln w="6350">
-            <a:solidFill>
-              <a:schemeClr val="tx1"/>
-            </a:solidFill>
-          </a:ln>
-          <a:effectLst/>
-        </p:spPr>
-        <p:style>
-          <a:lnRef idx="2">
-            <a:schemeClr val="accent1"/>
-          </a:lnRef>
-          <a:fillRef idx="0">
-            <a:schemeClr val="accent1"/>
-          </a:fillRef>
-          <a:effectRef idx="1">
-            <a:schemeClr val="accent1"/>
-          </a:effectRef>
-          <a:fontRef idx="minor">
-            <a:schemeClr val="tx1"/>
-          </a:fontRef>
-        </p:style>
-      </p:cxnSp>
+          <a:p>
+            <a:r>
+              <a:rPr lang="en-US" altLang="ja-JP" sz="800">
+                <a:latin typeface="Helvetica"/>
+                <a:cs typeface="Helvetica"/>
+              </a:rPr>
+              <a:t>         </a:t>
+            </a:r>
+            <a:r>
+              <a:rPr kumimoji="1" lang="en-US" altLang="ja-JP" sz="800">
+                <a:latin typeface="Helvetica"/>
+                <a:cs typeface="Helvetica"/>
+              </a:rPr>
+              <a:t>→ cell nucleus shapes are overlapped.</a:t>
+            </a:r>
+          </a:p>
+        </p:txBody>
+      </p:sp>
       <p:sp>
         <p:nvSpPr>
           <p:cNvPr id="137" name="角丸四角形 136">
             <a:extLst>
               <a:ext uri="{FF2B5EF4-FFF2-40B4-BE49-F238E27FC236}">
-                <a16:creationId xmlns="" xmlns:a16="http://schemas.microsoft.com/office/drawing/2014/main" id="{D4A982FE-1910-AF49-A0F9-ABFF13276244}"/>
+                <a16:creationId xmlns:a16="http://schemas.microsoft.com/office/drawing/2014/main" xmlns="" id="{D4A982FE-1910-AF49-A0F9-ABFF13276244}"/>
               </a:ext>
             </a:extLst>
           </p:cNvPr>
@@ -5816,8 +5680,8 @@
         </p:nvSpPr>
         <p:spPr>
           <a:xfrm>
-            <a:off x="225216" y="2597973"/>
-            <a:ext cx="1133684" cy="586532"/>
+            <a:off x="225216" y="2669011"/>
+            <a:ext cx="1107414" cy="543326"/>
           </a:xfrm>
           <a:prstGeom prst="roundRect">
             <a:avLst>
@@ -6056,7 +5920,7 @@
         </p:blipFill>
         <p:spPr bwMode="auto">
           <a:xfrm>
-            <a:off x="294265" y="7864513"/>
+            <a:off x="245559" y="7864513"/>
             <a:ext cx="940871" cy="770150"/>
           </a:xfrm>
           <a:prstGeom prst="rect">
@@ -6111,21 +5975,7 @@
                 <a:latin typeface="Helvetica"/>
                 <a:cs typeface="Helvetica"/>
               </a:rPr>
-              <a:t>a</a:t>
-            </a:r>
-            <a:r>
-              <a:rPr lang="en-US" altLang="ja-JP" sz="800">
-                <a:latin typeface="Helvetica"/>
-                <a:cs typeface="Helvetica"/>
-              </a:rPr>
-              <a:t> </a:t>
-            </a:r>
-            <a:r>
-              <a:rPr lang="en-US" altLang="ja-JP" sz="800">
-                <a:latin typeface="Helvetica"/>
-                <a:cs typeface="Helvetica"/>
-              </a:rPr>
-              <a:t>phenotypic chatacteristic</a:t>
+              <a:t>a phenotypic chatacteristic</a:t>
             </a:r>
             <a:r>
               <a:rPr kumimoji="1" lang="en-US" altLang="ja-JP" sz="800">
@@ -6158,7 +6008,7 @@
         </p:nvSpPr>
         <p:spPr>
           <a:xfrm>
-            <a:off x="1099286" y="7062133"/>
+            <a:off x="1088849" y="7062133"/>
             <a:ext cx="1968320" cy="546303"/>
           </a:xfrm>
           <a:prstGeom prst="rect">
@@ -6180,7 +6030,21 @@
                 <a:latin typeface="Helvetica"/>
                 <a:cs typeface="Helvetica"/>
               </a:rPr>
-              <a:t>An overview shape</a:t>
+              <a:t>An over</a:t>
+            </a:r>
+            <a:r>
+              <a:rPr lang="en-US" altLang="ja-JP" sz="900">
+                <a:latin typeface="Helvetica"/>
+                <a:cs typeface="Helvetica"/>
+              </a:rPr>
+              <a:t>lapped</a:t>
+            </a:r>
+            <a:r>
+              <a:rPr lang="en-US" altLang="ja-JP" sz="900">
+                <a:latin typeface="Helvetica"/>
+                <a:cs typeface="Helvetica"/>
+              </a:rPr>
+              <a:t> shape</a:t>
             </a:r>
           </a:p>
           <a:p>
@@ -6194,37 +6058,16 @@
                 <a:latin typeface="Helvetica"/>
                 <a:cs typeface="Helvetica"/>
               </a:rPr>
-              <a:t>    </a:t>
-            </a:r>
+              <a:t>    All the cell nuclei are overlapped</a:t>
+            </a:r>
+          </a:p>
+          <a:p>
             <a:r>
               <a:rPr lang="en-US" altLang="ja-JP" sz="900">
                 <a:latin typeface="Helvetica"/>
                 <a:cs typeface="Helvetica"/>
               </a:rPr>
-              <a:t>All the cell nuclei are overlapped</a:t>
-            </a:r>
-          </a:p>
-          <a:p>
-            <a:r>
-              <a:rPr lang="en-US" altLang="ja-JP" sz="900">
-                <a:latin typeface="Helvetica"/>
-                <a:cs typeface="Helvetica"/>
-              </a:rPr>
-              <a:t>    with a</a:t>
-            </a:r>
-            <a:r>
-              <a:rPr lang="en-US" altLang="ja-JP" sz="900">
-                <a:latin typeface="Helvetica"/>
-                <a:cs typeface="Helvetica"/>
-              </a:rPr>
-              <a:t> constant </a:t>
-            </a:r>
-            <a:r>
-              <a:rPr lang="en-US" altLang="ja-JP" sz="900">
-                <a:latin typeface="Helvetica"/>
-                <a:cs typeface="Helvetica"/>
-              </a:rPr>
-              <a:t>opacity . </a:t>
+              <a:t>    with a constant opacity . </a:t>
             </a:r>
             <a:endParaRPr lang="ja-JP" altLang="en-US" sz="900">
               <a:latin typeface="Helvetica"/>
@@ -6252,7 +6095,7 @@
         </p:blipFill>
         <p:spPr bwMode="auto">
           <a:xfrm>
-            <a:off x="228381" y="6919465"/>
+            <a:off x="179675" y="6919465"/>
             <a:ext cx="893366" cy="698697"/>
           </a:xfrm>
           <a:prstGeom prst="rect">
@@ -6272,8 +6115,8 @@
         </p:nvSpPr>
         <p:spPr>
           <a:xfrm>
-            <a:off x="1099286" y="7962990"/>
-            <a:ext cx="2205746" cy="546303"/>
+            <a:off x="1088849" y="7912269"/>
+            <a:ext cx="2205746" cy="684803"/>
           </a:xfrm>
           <a:prstGeom prst="rect">
             <a:avLst/>
@@ -6294,19 +6137,45 @@
                 <a:latin typeface="Helvetica"/>
                 <a:cs typeface="Helvetica"/>
               </a:rPr>
-              <a:t>A</a:t>
+              <a:t>Opacity a</a:t>
             </a:r>
             <a:r>
               <a:rPr lang="en-US" altLang="ja-JP" sz="900">
                 <a:latin typeface="Helvetica"/>
                 <a:cs typeface="Helvetica"/>
               </a:rPr>
-              <a:t>nimation of cell nucleus shapes</a:t>
-            </a:r>
-            <a:endParaRPr lang="en-US" altLang="ja-JP" sz="900">
-              <a:latin typeface="Helvetica"/>
-              <a:cs typeface="Helvetica"/>
-            </a:endParaRPr>
+              <a:t>nimation</a:t>
+            </a:r>
+            <a:r>
+              <a:rPr lang="en-US" altLang="ja-JP" sz="900">
+                <a:latin typeface="Helvetica"/>
+                <a:cs typeface="Helvetica"/>
+              </a:rPr>
+              <a:t> </a:t>
+            </a:r>
+            <a:r>
+              <a:rPr lang="en-US" altLang="ja-JP" sz="900">
+                <a:latin typeface="Helvetica"/>
+                <a:cs typeface="Helvetica"/>
+              </a:rPr>
+              <a:t>of </a:t>
+            </a:r>
+          </a:p>
+          <a:p>
+            <a:r>
+              <a:rPr lang="en-US" altLang="ja-JP" sz="900">
+                <a:latin typeface="Helvetica"/>
+                <a:cs typeface="Helvetica"/>
+              </a:rPr>
+              <a:t>                              </a:t>
+            </a:r>
+            <a:r>
+              <a:rPr lang="en-US" altLang="ja-JP" sz="900">
+                <a:latin typeface="Helvetica"/>
+                <a:cs typeface="Helvetica"/>
+              </a:rPr>
+              <a:t>cell nucleus shapes</a:t>
+            </a:r>
           </a:p>
           <a:p>
             <a:pPr>
@@ -6319,70 +6188,45 @@
                 <a:latin typeface="Helvetica"/>
                 <a:cs typeface="Helvetica"/>
               </a:rPr>
-              <a:t>     A cell nucleus</a:t>
+              <a:t>     A cell nucleus at</a:t>
+            </a:r>
+            <a:r>
+              <a:rPr lang="en-US" altLang="ja-JP" sz="900" i="1">
+                <a:latin typeface="Helvetica"/>
+                <a:cs typeface="Helvetica"/>
+              </a:rPr>
+              <a:t> t </a:t>
             </a:r>
             <a:r>
               <a:rPr lang="en-US" altLang="ja-JP" sz="900">
                 <a:latin typeface="Helvetica"/>
                 <a:cs typeface="Helvetica"/>
               </a:rPr>
-              <a:t> at</a:t>
+              <a:t>th</a:t>
             </a:r>
             <a:r>
               <a:rPr lang="en-US" altLang="ja-JP" sz="900" i="1">
                 <a:latin typeface="Helvetica"/>
                 <a:cs typeface="Helvetica"/>
               </a:rPr>
-              <a:t> t </a:t>
+              <a:t> </a:t>
             </a:r>
             <a:r>
               <a:rPr lang="en-US" altLang="ja-JP" sz="900">
                 <a:latin typeface="Helvetica"/>
                 <a:cs typeface="Helvetica"/>
               </a:rPr>
-              <a:t>th</a:t>
-            </a:r>
-            <a:r>
-              <a:rPr lang="en-US" altLang="ja-JP" sz="900" i="1">
-                <a:latin typeface="Helvetica"/>
-                <a:cs typeface="Helvetica"/>
-              </a:rPr>
-              <a:t> </a:t>
-            </a:r>
+              <a:t>step → Opaque</a:t>
+            </a:r>
+          </a:p>
+          <a:p>
             <a:r>
               <a:rPr lang="en-US" altLang="ja-JP" sz="900">
                 <a:latin typeface="Helvetica"/>
                 <a:cs typeface="Helvetica"/>
               </a:rPr>
-              <a:t>step </a:t>
-            </a:r>
-            <a:r>
-              <a:rPr lang="en-US" altLang="ja-JP" sz="900">
-                <a:latin typeface="Helvetica"/>
-                <a:cs typeface="Helvetica"/>
-              </a:rPr>
-              <a:t>→ Opaque</a:t>
-            </a:r>
-          </a:p>
-          <a:p>
-            <a:r>
-              <a:rPr lang="en-US" altLang="ja-JP" sz="900">
-                <a:latin typeface="Helvetica"/>
-                <a:cs typeface="Helvetica"/>
-              </a:rPr>
-              <a:t>     Other ones  →</a:t>
-            </a:r>
-            <a:r>
-              <a:rPr lang="en-US" altLang="ja-JP" sz="900">
-                <a:latin typeface="Helvetica"/>
-                <a:cs typeface="Helvetica"/>
-              </a:rPr>
-              <a:t> lower opacity</a:t>
-            </a:r>
-            <a:endParaRPr lang="en-US" altLang="ja-JP" sz="900">
-              <a:latin typeface="Helvetica"/>
-              <a:cs typeface="Helvetica"/>
-            </a:endParaRPr>
+              <a:t>     Other ones  → lower opacity</a:t>
+            </a:r>
           </a:p>
         </p:txBody>
       </p:sp>
@@ -6394,7 +6238,7 @@
         </p:nvSpPr>
         <p:spPr>
           <a:xfrm>
-            <a:off x="546890" y="7726993"/>
+            <a:off x="498184" y="7726993"/>
             <a:ext cx="185520" cy="159135"/>
           </a:xfrm>
           <a:prstGeom prst="downArrow">
@@ -6441,7 +6285,7 @@
         </p:nvSpPr>
         <p:spPr>
           <a:xfrm>
-            <a:off x="771757" y="7680112"/>
+            <a:off x="723051" y="7680112"/>
             <a:ext cx="1095172" cy="230832"/>
           </a:xfrm>
           <a:prstGeom prst="rect">
@@ -6492,7 +6336,7 @@
         <p:spPr>
           <a:xfrm>
             <a:off x="5209152" y="1886042"/>
-            <a:ext cx="1484852" cy="784830"/>
+            <a:ext cx="1556836" cy="784830"/>
           </a:xfrm>
           <a:prstGeom prst="rect">
             <a:avLst/>
@@ -6505,7 +6349,7 @@
           </a:bodyPr>
           <a:lstStyle/>
           <a:p>
-            <a:pPr marL="50400" indent="-122400">
+            <a:pPr marL="122400" indent="-122400">
               <a:buFont typeface="+mj-lt"/>
               <a:buAutoNum type="arabicPeriod"/>
             </a:pPr>
@@ -6514,7 +6358,21 @@
                 <a:latin typeface="Helvetica"/>
                 <a:cs typeface="Helvetica"/>
               </a:rPr>
-              <a:t>Draw AP, DV, LR axes.</a:t>
+              <a:t>Draw AP, DV</a:t>
+            </a:r>
+            <a:r>
+              <a:rPr lang="en-US" altLang="ja-JP" sz="800">
+                <a:latin typeface="Helvetica"/>
+                <a:cs typeface="Helvetica"/>
+              </a:rPr>
+              <a:t> and</a:t>
+            </a:r>
+            <a:r>
+              <a:rPr lang="en-US" altLang="ja-JP" sz="800">
+                <a:latin typeface="Helvetica"/>
+                <a:cs typeface="Helvetica"/>
+              </a:rPr>
+              <a:t> LR axes.</a:t>
             </a:r>
           </a:p>
           <a:p>
@@ -6662,7 +6520,7 @@
         </p:nvSpPr>
         <p:spPr>
           <a:xfrm>
-            <a:off x="1253721" y="8192932"/>
+            <a:off x="1246714" y="8290205"/>
             <a:ext cx="45719" cy="248112"/>
           </a:xfrm>
           <a:prstGeom prst="leftBrace">
@@ -6766,8 +6624,8 @@
         </p:nvSpPr>
         <p:spPr>
           <a:xfrm>
-            <a:off x="4147838" y="5562117"/>
-            <a:ext cx="613870" cy="230832"/>
+            <a:off x="4120006" y="5562117"/>
+            <a:ext cx="716437" cy="230832"/>
           </a:xfrm>
           <a:prstGeom prst="rect">
             <a:avLst/>
@@ -6782,7 +6640,11 @@
           <a:p>
             <a:r>
               <a:rPr lang="en-US" altLang="ja-JP" sz="900"/>
-              <a:t>overview</a:t>
+              <a:t>over</a:t>
+            </a:r>
+            <a:r>
+              <a:rPr lang="en-US" altLang="ja-JP" sz="900"/>
+              <a:t>lapped</a:t>
             </a:r>
             <a:endParaRPr kumimoji="1" lang="ja-JP" altLang="en-US" sz="900"/>
           </a:p>
@@ -6960,8 +6822,8 @@
         </p:nvSpPr>
         <p:spPr>
           <a:xfrm>
-            <a:off x="3443199" y="8077907"/>
-            <a:ext cx="3211045" cy="369332"/>
+            <a:off x="3415261" y="8363226"/>
+            <a:ext cx="3263608" cy="369332"/>
           </a:xfrm>
           <a:prstGeom prst="rect">
             <a:avLst/>
@@ -6982,7 +6844,28 @@
                 <a:latin typeface="Helvetica"/>
                 <a:cs typeface="Helvetica"/>
               </a:rPr>
-              <a:t>We could interactively animate cell nucleus shapes and recognize cell nuclear position and distance.</a:t>
+              <a:t>Representations of cell </a:t>
+            </a:r>
+            <a:r>
+              <a:rPr lang="en-US" altLang="ja-JP" sz="900">
+                <a:latin typeface="Helvetica"/>
+                <a:cs typeface="Helvetica"/>
+              </a:rPr>
+              <a:t>nuclear position and distance</a:t>
+            </a:r>
+            <a:r>
+              <a:rPr lang="en-US" altLang="ja-JP" sz="900">
+                <a:latin typeface="Helvetica"/>
+                <a:cs typeface="Helvetica"/>
+              </a:rPr>
+              <a:t> are helpful for comparison of two phenotypic characteristics</a:t>
+            </a:r>
+            <a:r>
+              <a:rPr lang="en-US" altLang="ja-JP" sz="900">
+                <a:latin typeface="Helvetica"/>
+                <a:cs typeface="Helvetica"/>
+              </a:rPr>
+              <a:t>.</a:t>
             </a:r>
             <a:endParaRPr lang="ja-JP" altLang="en-US" sz="900">
               <a:latin typeface="Helvetica"/>
@@ -6999,8 +6882,8 @@
         </p:nvSpPr>
         <p:spPr>
           <a:xfrm>
-            <a:off x="3443199" y="8374469"/>
-            <a:ext cx="3258699" cy="369332"/>
+            <a:off x="3423817" y="8077669"/>
+            <a:ext cx="3317842" cy="369332"/>
           </a:xfrm>
           <a:prstGeom prst="rect">
             <a:avLst/>
@@ -7017,19 +6900,67 @@
               <a:buChar char="•"/>
             </a:pPr>
             <a:r>
-              <a:rPr lang="en-GB" altLang="ja-JP" sz="900">
-                <a:latin typeface="Helvetica"/>
-                <a:cs typeface="Helvetica"/>
-              </a:rPr>
-              <a:t>We should draw not only a trajectory but a straight line which represents length of a movement distance.</a:t>
-            </a:r>
-            <a:r>
-              <a:rPr lang="ja-JP" altLang="ja-JP" sz="900">
-                <a:effectLst/>
+              <a:rPr lang="en-US" altLang="ja-JP" sz="900">
+                <a:latin typeface="Helvetica"/>
+                <a:cs typeface="Helvetica"/>
+              </a:rPr>
+              <a:t>Detailed cell nucleus </a:t>
+            </a:r>
+            <a:r>
+              <a:rPr lang="en-US" altLang="ja-JP" sz="900">
+                <a:latin typeface="Helvetica"/>
+                <a:cs typeface="Helvetica"/>
+              </a:rPr>
+              <a:t>shape</a:t>
+            </a:r>
+            <a:r>
+              <a:rPr lang="en-US" altLang="ja-JP" sz="900">
+                <a:latin typeface="Helvetica"/>
+                <a:cs typeface="Helvetica"/>
+              </a:rPr>
+              <a:t> changes could be observed </a:t>
+            </a:r>
+            <a:r>
+              <a:rPr lang="en-US" altLang="ja-JP" sz="900">
+                <a:latin typeface="Helvetica"/>
+                <a:cs typeface="Helvetica"/>
+              </a:rPr>
+              <a:t>by</a:t>
+            </a:r>
+            <a:r>
+              <a:rPr lang="en-US" altLang="ja-JP" sz="900">
+                <a:latin typeface="Helvetica"/>
+                <a:cs typeface="Helvetica"/>
+              </a:rPr>
+              <a:t> the</a:t>
+            </a:r>
+            <a:r>
+              <a:rPr lang="en-US" altLang="ja-JP" sz="900">
                 <a:latin typeface="Helvetica"/>
                 <a:cs typeface="Helvetica"/>
               </a:rPr>
               <a:t> </a:t>
+            </a:r>
+            <a:r>
+              <a:rPr lang="en-US" altLang="ja-JP" sz="900">
+                <a:latin typeface="Helvetica"/>
+                <a:cs typeface="Helvetica"/>
+              </a:rPr>
+              <a:t>interactive opacity </a:t>
+            </a:r>
+            <a:r>
+              <a:rPr lang="en-US" altLang="ja-JP" sz="900">
+                <a:latin typeface="Helvetica"/>
+                <a:cs typeface="Helvetica"/>
+              </a:rPr>
+              <a:t>animation</a:t>
+            </a:r>
+            <a:r>
+              <a:rPr lang="en-US" altLang="ja-JP" sz="900">
+                <a:latin typeface="Helvetica"/>
+                <a:cs typeface="Helvetica"/>
+              </a:rPr>
+              <a:t>.</a:t>
             </a:r>
             <a:endParaRPr lang="ja-JP" altLang="en-US" sz="900">
               <a:latin typeface="Helvetica"/>
@@ -7145,14 +7076,7 @@
                 <a:latin typeface="Helvetica"/>
                 <a:cs typeface="Helvetica"/>
               </a:rPr>
-              <a:t>R</a:t>
-            </a:r>
-            <a:r>
-              <a:rPr lang="en-GB" altLang="ja-JP" sz="900" b="1">
-                <a:latin typeface="Helvetica"/>
-                <a:cs typeface="Helvetica"/>
-              </a:rPr>
-              <a:t>epresetation of phenotypic characteristics</a:t>
+              <a:t>Represetation of phenotypic characteristics</a:t>
             </a:r>
             <a:endParaRPr kumimoji="1" lang="ja-JP" altLang="en-US" sz="900" b="1">
               <a:latin typeface="Helvetica"/>
@@ -7261,6 +7185,157 @@
           </a:prstGeom>
         </p:spPr>
       </p:pic>
+      <p:sp>
+        <p:nvSpPr>
+          <p:cNvPr id="8" name="テキスト ボックス 7"/>
+          <p:cNvSpPr txBox="1"/>
+          <p:nvPr/>
+        </p:nvSpPr>
+        <p:spPr>
+          <a:xfrm>
+            <a:off x="737216" y="6715419"/>
+            <a:ext cx="228149" cy="215444"/>
+          </a:xfrm>
+          <a:prstGeom prst="rect">
+            <a:avLst/>
+          </a:prstGeom>
+          <a:noFill/>
+        </p:spPr>
+        <p:txBody>
+          <a:bodyPr wrap="none" rtlCol="0">
+            <a:spAutoFit/>
+          </a:bodyPr>
+          <a:lstStyle/>
+          <a:p>
+            <a:r>
+              <a:rPr lang="en-US" altLang="ja-JP" sz="800" i="1">
+                <a:latin typeface="Helvetica"/>
+                <a:cs typeface="Helvetica"/>
+              </a:rPr>
+              <a:t>t</a:t>
+            </a:r>
+            <a:endParaRPr kumimoji="1" lang="ja-JP" altLang="en-US" sz="800"/>
+          </a:p>
+        </p:txBody>
+      </p:sp>
+      <p:sp>
+        <p:nvSpPr>
+          <p:cNvPr id="9" name="テキスト ボックス 8"/>
+          <p:cNvSpPr txBox="1"/>
+          <p:nvPr/>
+        </p:nvSpPr>
+        <p:spPr>
+          <a:xfrm>
+            <a:off x="745596" y="6645230"/>
+            <a:ext cx="214190" cy="169277"/>
+          </a:xfrm>
+          <a:prstGeom prst="rect">
+            <a:avLst/>
+          </a:prstGeom>
+          <a:noFill/>
+        </p:spPr>
+        <p:txBody>
+          <a:bodyPr wrap="none" rtlCol="0">
+            <a:spAutoFit/>
+          </a:bodyPr>
+          <a:lstStyle/>
+          <a:p>
+            <a:r>
+              <a:rPr kumimoji="1" lang="en-US" altLang="ja-JP" sz="500" b="1"/>
+              <a:t>|</a:t>
+            </a:r>
+            <a:endParaRPr kumimoji="1" lang="ja-JP" altLang="en-US" sz="500" b="1"/>
+          </a:p>
+        </p:txBody>
+      </p:sp>
+      <p:sp>
+        <p:nvSpPr>
+          <p:cNvPr id="12" name="テキスト ボックス 11"/>
+          <p:cNvSpPr txBox="1"/>
+          <p:nvPr/>
+        </p:nvSpPr>
+        <p:spPr>
+          <a:xfrm>
+            <a:off x="134019" y="3475773"/>
+            <a:ext cx="3218192" cy="246221"/>
+          </a:xfrm>
+          <a:prstGeom prst="rect">
+            <a:avLst/>
+          </a:prstGeom>
+          <a:noFill/>
+        </p:spPr>
+        <p:txBody>
+          <a:bodyPr wrap="none" rtlCol="0">
+            <a:spAutoFit/>
+          </a:bodyPr>
+          <a:lstStyle/>
+          <a:p>
+            <a:r>
+              <a:rPr lang="en-US" altLang="ja-JP" sz="500"/>
+              <a:t>S</a:t>
+            </a:r>
+            <a:r>
+              <a:rPr lang="en-US" altLang="ja-JP" sz="500"/>
+              <a:t>.</a:t>
+            </a:r>
+            <a:r>
+              <a:rPr lang="en-US" altLang="ja-JP" sz="500"/>
+              <a:t>Nagai, N</a:t>
+            </a:r>
+            <a:r>
+              <a:rPr lang="en-US" altLang="ja-JP" sz="500"/>
+              <a:t>.</a:t>
+            </a:r>
+            <a:r>
+              <a:rPr lang="en-US" altLang="ja-JP" sz="500"/>
+              <a:t>Sakamoto, Development of a visual analytics system for cell division dynamics in early C.elegans embryos, </a:t>
+            </a:r>
+          </a:p>
+          <a:p>
+            <a:r>
+              <a:rPr lang="en-US" altLang="ja-JP" sz="500"/>
+              <a:t>SIGGRAPH ASIA Symposium on Visualization (SA17), 2017</a:t>
+            </a:r>
+            <a:endParaRPr kumimoji="1" lang="ja-JP" altLang="en-US" sz="500"/>
+          </a:p>
+        </p:txBody>
+      </p:sp>
+      <p:cxnSp>
+        <p:nvCxnSpPr>
+          <p:cNvPr id="240" name="直線コネクタ 239"/>
+          <p:cNvCxnSpPr/>
+          <p:nvPr/>
+        </p:nvCxnSpPr>
+        <p:spPr>
+          <a:xfrm>
+            <a:off x="1018400" y="3041805"/>
+            <a:ext cx="171492" cy="215745"/>
+          </a:xfrm>
+          <a:prstGeom prst="line">
+            <a:avLst/>
+          </a:prstGeom>
+          <a:ln w="6350">
+            <a:solidFill>
+              <a:schemeClr val="tx1"/>
+            </a:solidFill>
+          </a:ln>
+          <a:effectLst/>
+        </p:spPr>
+        <p:style>
+          <a:lnRef idx="2">
+            <a:schemeClr val="accent1"/>
+          </a:lnRef>
+          <a:fillRef idx="0">
+            <a:schemeClr val="accent1"/>
+          </a:fillRef>
+          <a:effectRef idx="1">
+            <a:schemeClr val="accent1"/>
+          </a:effectRef>
+          <a:fontRef idx="minor">
+            <a:schemeClr val="tx1"/>
+          </a:fontRef>
+        </p:style>
+      </p:cxnSp>
     </p:spTree>
     <p:extLst>
       <p:ext uri="{BB962C8B-B14F-4D97-AF65-F5344CB8AC3E}">
@@ -7271,6 +7346,13 @@
   <p:clrMapOvr>
     <a:masterClrMapping/>
   </p:clrMapOvr>
+  <p:timing>
+    <p:tnLst>
+      <p:par>
+        <p:cTn xmlns:p14="http://schemas.microsoft.com/office/powerpoint/2010/main" id="1" dur="indefinite" restart="never" nodeType="tmRoot"/>
+      </p:par>
+    </p:tnLst>
+  </p:timing>
 </p:sld>
 </file>
 

--- a/Poster130.pptx
+++ b/Poster130.pptx
@@ -4975,7 +4975,7 @@
         <p:spPr>
           <a:xfrm>
             <a:off x="83466" y="1921440"/>
-            <a:ext cx="3147015" cy="230832"/>
+            <a:ext cx="2852063" cy="230832"/>
           </a:xfrm>
           <a:prstGeom prst="rect">
             <a:avLst/>
@@ -4997,21 +4997,14 @@
                 <a:latin typeface="Helvetica"/>
                 <a:cs typeface="Helvetica"/>
               </a:rPr>
-              <a:t>Elucidation of </a:t>
+              <a:t>Elucidation of biologica</a:t>
             </a:r>
             <a:r>
               <a:rPr lang="en-GB" altLang="ja-JP" sz="900">
                 <a:latin typeface="Helvetica"/>
                 <a:cs typeface="Helvetica"/>
               </a:rPr>
-              <a:t>d</a:t>
-            </a:r>
-            <a:r>
-              <a:rPr lang="en-GB" altLang="ja-JP" sz="900">
-                <a:latin typeface="Helvetica"/>
-                <a:cs typeface="Helvetica"/>
-              </a:rPr>
-              <a:t>evelopmental mechanism of C.elegans.</a:t>
+              <a:t>l mechanism of C.elegans.</a:t>
             </a:r>
           </a:p>
         </p:txBody>
